--- a/documentation/20230405 Discussion 04/Panasonic_IDS_Discussion_05.pptx
+++ b/documentation/20230405 Discussion 04/Panasonic_IDS_Discussion_05.pptx
@@ -239,7 +239,7 @@
           <a:p>
             <a:fld id="{E238A188-91A2-4E01-9E96-2F1FEC9A01E6}" type="datetimeFigureOut">
               <a:rPr lang="en-SG" smtClean="0"/>
-              <a:t>20/4/2023</a:t>
+              <a:t>21/4/2023</a:t>
             </a:fld>
             <a:endParaRPr lang="en-SG"/>
           </a:p>
@@ -417,7 +417,7 @@
           <a:p>
             <a:fld id="{44337A42-5D34-4F72-8CA3-09580D9F2949}" type="datetimeFigureOut">
               <a:rPr lang="en-SG" smtClean="0"/>
-              <a:t>19/4/2023</a:t>
+              <a:t>21/4/2023</a:t>
             </a:fld>
             <a:endParaRPr lang="en-SG"/>
           </a:p>
@@ -6584,7 +6584,7 @@
 </file>
 
 <file path=ppt/slides/slide6.xml><?xml version="1.0" encoding="utf-8"?>
-<p:sld xmlns:a="http://schemas.openxmlformats.org/drawingml/2006/main" xmlns:r="http://schemas.openxmlformats.org/officeDocument/2006/relationships" xmlns:p="http://schemas.openxmlformats.org/presentationml/2006/main" show="0">
+<p:sld xmlns:a="http://schemas.openxmlformats.org/drawingml/2006/main" xmlns:r="http://schemas.openxmlformats.org/officeDocument/2006/relationships" xmlns:p="http://schemas.openxmlformats.org/presentationml/2006/main">
   <p:cSld>
     <p:spTree>
       <p:nvGrpSpPr>
